--- a/2022_03_28/2022-3-28 - C++とRange(難しい版) - Siv3D勉強会.pptx
+++ b/2022_03_28/2022-3-28 - C++とRange(難しい版) - Siv3D勉強会.pptx
@@ -5370,7 +5370,7 @@
                 <a:ea typeface="M+ 1p" panose="020B0503020203020204" pitchFamily="50" charset="-128"/>
                 <a:cs typeface="M+ 1p" panose="020B0503020203020204" pitchFamily="50" charset="-128"/>
               </a:rPr>
-              <a:t>を適用した結果から出来る </a:t>
+              <a:t>を適用した結果を要素とする </a:t>
             </a:r>
             <a:r>
               <a:rPr lang="en-US" altLang="ja-JP" dirty="0">
